--- a/labs/lab04_R_SeqQual.pptx
+++ b/labs/lab04_R_SeqQual.pptx
@@ -208,7 +208,7 @@
           <a:p>
             <a:fld id="{5EE6BB87-626E-9C4B-A7F4-9EF6478BD5F6}" type="datetimeFigureOut">
               <a:rPr lang="en-US" smtClean="0"/>
-              <a:t>2/8/17</a:t>
+              <a:t>2/9/17</a:t>
             </a:fld>
             <a:endParaRPr lang="en-US"/>
           </a:p>
@@ -741,7 +741,7 @@
           <a:p>
             <a:fld id="{42B8B0BE-C8D7-EB48-AD68-71DB5002F24B}" type="datetimeFigureOut">
               <a:rPr lang="en-US" smtClean="0"/>
-              <a:t>2/8/17</a:t>
+              <a:t>2/9/17</a:t>
             </a:fld>
             <a:endParaRPr lang="en-US"/>
           </a:p>
@@ -911,7 +911,7 @@
           <a:p>
             <a:fld id="{42B8B0BE-C8D7-EB48-AD68-71DB5002F24B}" type="datetimeFigureOut">
               <a:rPr lang="en-US" smtClean="0"/>
-              <a:t>2/8/17</a:t>
+              <a:t>2/9/17</a:t>
             </a:fld>
             <a:endParaRPr lang="en-US"/>
           </a:p>
@@ -1091,7 +1091,7 @@
           <a:p>
             <a:fld id="{42B8B0BE-C8D7-EB48-AD68-71DB5002F24B}" type="datetimeFigureOut">
               <a:rPr lang="en-US" smtClean="0"/>
-              <a:t>2/8/17</a:t>
+              <a:t>2/9/17</a:t>
             </a:fld>
             <a:endParaRPr lang="en-US"/>
           </a:p>
@@ -1261,7 +1261,7 @@
           <a:p>
             <a:fld id="{42B8B0BE-C8D7-EB48-AD68-71DB5002F24B}" type="datetimeFigureOut">
               <a:rPr lang="en-US" smtClean="0"/>
-              <a:t>2/8/17</a:t>
+              <a:t>2/9/17</a:t>
             </a:fld>
             <a:endParaRPr lang="en-US"/>
           </a:p>
@@ -1507,7 +1507,7 @@
           <a:p>
             <a:fld id="{42B8B0BE-C8D7-EB48-AD68-71DB5002F24B}" type="datetimeFigureOut">
               <a:rPr lang="en-US" smtClean="0"/>
-              <a:t>2/8/17</a:t>
+              <a:t>2/9/17</a:t>
             </a:fld>
             <a:endParaRPr lang="en-US"/>
           </a:p>
@@ -1795,7 +1795,7 @@
           <a:p>
             <a:fld id="{42B8B0BE-C8D7-EB48-AD68-71DB5002F24B}" type="datetimeFigureOut">
               <a:rPr lang="en-US" smtClean="0"/>
-              <a:t>2/8/17</a:t>
+              <a:t>2/9/17</a:t>
             </a:fld>
             <a:endParaRPr lang="en-US"/>
           </a:p>
@@ -2217,7 +2217,7 @@
           <a:p>
             <a:fld id="{42B8B0BE-C8D7-EB48-AD68-71DB5002F24B}" type="datetimeFigureOut">
               <a:rPr lang="en-US" smtClean="0"/>
-              <a:t>2/8/17</a:t>
+              <a:t>2/9/17</a:t>
             </a:fld>
             <a:endParaRPr lang="en-US"/>
           </a:p>
@@ -2335,7 +2335,7 @@
           <a:p>
             <a:fld id="{42B8B0BE-C8D7-EB48-AD68-71DB5002F24B}" type="datetimeFigureOut">
               <a:rPr lang="en-US" smtClean="0"/>
-              <a:t>2/8/17</a:t>
+              <a:t>2/9/17</a:t>
             </a:fld>
             <a:endParaRPr lang="en-US"/>
           </a:p>
@@ -2430,7 +2430,7 @@
           <a:p>
             <a:fld id="{42B8B0BE-C8D7-EB48-AD68-71DB5002F24B}" type="datetimeFigureOut">
               <a:rPr lang="en-US" smtClean="0"/>
-              <a:t>2/8/17</a:t>
+              <a:t>2/9/17</a:t>
             </a:fld>
             <a:endParaRPr lang="en-US"/>
           </a:p>
@@ -2707,7 +2707,7 @@
           <a:p>
             <a:fld id="{42B8B0BE-C8D7-EB48-AD68-71DB5002F24B}" type="datetimeFigureOut">
               <a:rPr lang="en-US" smtClean="0"/>
-              <a:t>2/8/17</a:t>
+              <a:t>2/9/17</a:t>
             </a:fld>
             <a:endParaRPr lang="en-US"/>
           </a:p>
@@ -2960,7 +2960,7 @@
           <a:p>
             <a:fld id="{42B8B0BE-C8D7-EB48-AD68-71DB5002F24B}" type="datetimeFigureOut">
               <a:rPr lang="en-US" smtClean="0"/>
-              <a:t>2/8/17</a:t>
+              <a:t>2/9/17</a:t>
             </a:fld>
             <a:endParaRPr lang="en-US"/>
           </a:p>
@@ -3173,7 +3173,7 @@
           <a:p>
             <a:fld id="{42B8B0BE-C8D7-EB48-AD68-71DB5002F24B}" type="datetimeFigureOut">
               <a:rPr lang="en-US" smtClean="0"/>
-              <a:t>2/8/17</a:t>
+              <a:t>2/9/17</a:t>
             </a:fld>
             <a:endParaRPr lang="en-US"/>
           </a:p>
@@ -3598,15 +3598,7 @@
             </a:r>
             <a:r>
               <a:rPr lang="en-US" sz="2000" dirty="0" smtClean="0"/>
-              <a:t>(</a:t>
-            </a:r>
-            <a:r>
-              <a:rPr lang="en-US" sz="2000" dirty="0" smtClean="0"/>
-              <a:t>PLPTH813</a:t>
-            </a:r>
-            <a:r>
-              <a:rPr lang="en-US" sz="2000" dirty="0" smtClean="0"/>
-              <a:t>)</a:t>
+              <a:t>(PLPTH813)</a:t>
             </a:r>
             <a:endParaRPr lang="en-US" sz="2000" dirty="0"/>
           </a:p>
@@ -3645,11 +3637,7 @@
           <a:p>
             <a:r>
               <a:rPr lang="en-US" sz="2800" dirty="0" smtClean="0"/>
-              <a:t>2</a:t>
-            </a:r>
-            <a:r>
-              <a:rPr lang="en-US" sz="2800" dirty="0" smtClean="0"/>
-              <a:t>/9/2017</a:t>
+              <a:t>2/9/2017</a:t>
             </a:r>
             <a:endParaRPr lang="en-US" sz="2800" dirty="0"/>
           </a:p>
@@ -6187,6 +6175,13 @@
   <p:clrMapOvr>
     <a:masterClrMapping/>
   </p:clrMapOvr>
+  <p:timing>
+    <p:tnLst>
+      <p:par>
+        <p:cTn xmlns:p14="http://schemas.microsoft.com/office/powerpoint/2010/main" id="1" dur="indefinite" restart="never" nodeType="tmRoot"/>
+      </p:par>
+    </p:tnLst>
+  </p:timing>
 </p:sld>
 </file>
 
@@ -8530,40 +8525,45 @@
             </a:r>
             <a:r>
               <a:rPr lang="it-IT" dirty="0"/>
-              <a:t>&lt;- "http://</a:t>
-            </a:r>
-            <a:r>
-              <a:rPr lang="it-IT" dirty="0" err="1"/>
-              <a:t>plantgenomics.ksu.edu</a:t>
-            </a:r>
-            <a:r>
-              <a:rPr lang="it-IT" dirty="0"/>
-              <a:t>/</a:t>
-            </a:r>
-            <a:r>
-              <a:rPr lang="it-IT" dirty="0" err="1"/>
-              <a:t>liulab</a:t>
-            </a:r>
-            <a:r>
-              <a:rPr lang="it-IT" dirty="0"/>
-              <a:t>/</a:t>
-            </a:r>
-            <a:r>
-              <a:rPr lang="it-IT" dirty="0" err="1"/>
-              <a:t>wp-content</a:t>
-            </a:r>
-            <a:r>
-              <a:rPr lang="it-IT" dirty="0"/>
-              <a:t>/uploads/2016/02/</a:t>
-            </a:r>
-            <a:r>
-              <a:rPr lang="it-IT" dirty="0" err="1"/>
-              <a:t>quality.txt</a:t>
+              <a:t>&lt;- </a:t>
             </a:r>
             <a:r>
               <a:rPr lang="it-IT" dirty="0"/>
               <a:t>"</a:t>
             </a:r>
+            <a:r>
+              <a:rPr lang="it-IT" sz="1200" dirty="0" err="1"/>
+              <a:t>https</a:t>
+            </a:r>
+            <a:r>
+              <a:rPr lang="it-IT" sz="1200" dirty="0"/>
+              <a:t>://</a:t>
+            </a:r>
+            <a:r>
+              <a:rPr lang="it-IT" sz="1200" dirty="0" err="1"/>
+              <a:t>github.com</a:t>
+            </a:r>
+            <a:r>
+              <a:rPr lang="it-IT" sz="1200" dirty="0"/>
+              <a:t>/liu3zhenlab/PLPTH813Bioinformatics/blob/master/</a:t>
+            </a:r>
+            <a:r>
+              <a:rPr lang="it-IT" sz="1200" dirty="0" err="1"/>
+              <a:t>datasets</a:t>
+            </a:r>
+            <a:r>
+              <a:rPr lang="it-IT" sz="1200" dirty="0"/>
+              <a:t>/</a:t>
+            </a:r>
+            <a:r>
+              <a:rPr lang="it-IT" sz="1200" dirty="0" err="1"/>
+              <a:t>quality.txt</a:t>
+            </a:r>
+            <a:r>
+              <a:rPr lang="it-IT" dirty="0"/>
+              <a:t>"</a:t>
+            </a:r>
+            <a:endParaRPr lang="it-IT" dirty="0"/>
           </a:p>
           <a:p>
             <a:pPr marL="0" indent="0">
